--- a/BalkeBrewer_CaseStudy01.pptx
+++ b/BalkeBrewer_CaseStudy01.pptx
@@ -118,7 +118,7 @@
   </p:defaultTextStyle>
   <p:extLst>
     <p:ext uri="{EFAFB233-063F-42B5-8137-9DF3F51BA10A}">
-      <p15:sldGuideLst xmlns:p15="http://schemas.microsoft.com/office/powerpoint/2012/main" xmlns=""/>
+      <p15:sldGuideLst xmlns="" xmlns:p15="http://schemas.microsoft.com/office/powerpoint/2012/main"/>
     </p:ext>
   </p:extLst>
 </p:presentation>
@@ -5970,7 +5970,7 @@
           <p:cNvPr id="2" name="Title 1">
             <a:extLst>
               <a:ext uri="{FF2B5EF4-FFF2-40B4-BE49-F238E27FC236}">
-                <a16:creationId xmlns:a16="http://schemas.microsoft.com/office/drawing/2014/main" xmlns="" id="{515B8AF5-4659-49F0-B478-02B5FDBA6B0D}"/>
+                <a16:creationId xmlns="" xmlns:a16="http://schemas.microsoft.com/office/drawing/2014/main" id="{515B8AF5-4659-49F0-B478-02B5FDBA6B0D}"/>
               </a:ext>
             </a:extLst>
           </p:cNvPr>
@@ -5998,7 +5998,7 @@
           <p:cNvPr id="3" name="Subtitle 2">
             <a:extLst>
               <a:ext uri="{FF2B5EF4-FFF2-40B4-BE49-F238E27FC236}">
-                <a16:creationId xmlns:a16="http://schemas.microsoft.com/office/drawing/2014/main" xmlns="" id="{C88059AA-EFCE-4BCC-9D84-BE95B13300E6}"/>
+                <a16:creationId xmlns="" xmlns:a16="http://schemas.microsoft.com/office/drawing/2014/main" id="{C88059AA-EFCE-4BCC-9D84-BE95B13300E6}"/>
               </a:ext>
             </a:extLst>
           </p:cNvPr>
@@ -6009,9 +6009,16 @@
             <p:ph type="subTitle" idx="1"/>
           </p:nvPr>
         </p:nvSpPr>
-        <p:spPr/>
-        <p:txBody>
-          <a:bodyPr/>
+        <p:spPr>
+          <a:xfrm>
+            <a:off x="1370693" y="3598339"/>
+            <a:ext cx="9440034" cy="1463058"/>
+          </a:xfrm>
+        </p:spPr>
+        <p:txBody>
+          <a:bodyPr>
+            <a:normAutofit lnSpcReduction="10000"/>
+          </a:bodyPr>
           <a:lstStyle/>
           <a:p>
             <a:r>
@@ -6021,9 +6028,16 @@
           </a:p>
           <a:p>
             <a:r>
+              <a:rPr lang="en-US" dirty="0" smtClean="0"/>
+              <a:t>Anheuser-Busch</a:t>
+            </a:r>
+          </a:p>
+          <a:p>
+            <a:r>
               <a:rPr lang="en-US" dirty="0"/>
-              <a:t>Anheuser-Busch</a:t>
-            </a:r>
+              <a:t>http://www.screencast.com/users/EricBalke/folders/Default/media/01216e5d-d033-4c18-817a-ee0e17c98af3</a:t>
+            </a:r>
+            <a:endParaRPr lang="en-US" dirty="0"/>
           </a:p>
         </p:txBody>
       </p:sp>
@@ -6069,7 +6083,7 @@
           <p:cNvPr id="2" name="Title 1">
             <a:extLst>
               <a:ext uri="{FF2B5EF4-FFF2-40B4-BE49-F238E27FC236}">
-                <a16:creationId xmlns:a16="http://schemas.microsoft.com/office/drawing/2014/main" xmlns="" id="{6F34DA50-A1C6-43CF-BA57-27D059B4E79E}"/>
+                <a16:creationId xmlns="" xmlns:a16="http://schemas.microsoft.com/office/drawing/2014/main" id="{6F34DA50-A1C6-43CF-BA57-27D059B4E79E}"/>
               </a:ext>
             </a:extLst>
           </p:cNvPr>
@@ -6109,7 +6123,7 @@
           <p:cNvPr id="3" name="Picture 2">
             <a:extLst>
               <a:ext uri="{FF2B5EF4-FFF2-40B4-BE49-F238E27FC236}">
-                <a16:creationId xmlns:a16="http://schemas.microsoft.com/office/drawing/2014/main" xmlns="" id="{7ED536AF-3B14-48A9-B6D2-EE718A51C4C0}"/>
+                <a16:creationId xmlns="" xmlns:a16="http://schemas.microsoft.com/office/drawing/2014/main" id="{7ED536AF-3B14-48A9-B6D2-EE718A51C4C0}"/>
               </a:ext>
             </a:extLst>
           </p:cNvPr>
@@ -6176,7 +6190,7 @@
           <p:cNvPr id="2" name="Title 1">
             <a:extLst>
               <a:ext uri="{FF2B5EF4-FFF2-40B4-BE49-F238E27FC236}">
-                <a16:creationId xmlns:a16="http://schemas.microsoft.com/office/drawing/2014/main" xmlns="" id="{6F34DA50-A1C6-43CF-BA57-27D059B4E79E}"/>
+                <a16:creationId xmlns="" xmlns:a16="http://schemas.microsoft.com/office/drawing/2014/main" id="{6F34DA50-A1C6-43CF-BA57-27D059B4E79E}"/>
               </a:ext>
             </a:extLst>
           </p:cNvPr>
@@ -6303,7 +6317,7 @@
           <p:cNvPr id="2" name="Title 1">
             <a:extLst>
               <a:ext uri="{FF2B5EF4-FFF2-40B4-BE49-F238E27FC236}">
-                <a16:creationId xmlns:a16="http://schemas.microsoft.com/office/drawing/2014/main" xmlns="" id="{6F34DA50-A1C6-43CF-BA57-27D059B4E79E}"/>
+                <a16:creationId xmlns="" xmlns:a16="http://schemas.microsoft.com/office/drawing/2014/main" id="{6F34DA50-A1C6-43CF-BA57-27D059B4E79E}"/>
               </a:ext>
             </a:extLst>
           </p:cNvPr>
@@ -6338,7 +6352,7 @@
           <p:cNvPr id="4" name="Picture 3">
             <a:extLst>
               <a:ext uri="{FF2B5EF4-FFF2-40B4-BE49-F238E27FC236}">
-                <a16:creationId xmlns:a16="http://schemas.microsoft.com/office/drawing/2014/main" xmlns="" id="{6D97096B-26B9-4B88-8056-04F5536F4CB8}"/>
+                <a16:creationId xmlns="" xmlns:a16="http://schemas.microsoft.com/office/drawing/2014/main" id="{6D97096B-26B9-4B88-8056-04F5536F4CB8}"/>
               </a:ext>
             </a:extLst>
           </p:cNvPr>
@@ -6405,7 +6419,7 @@
           <p:cNvPr id="4" name="Picture 3">
             <a:extLst>
               <a:ext uri="{FF2B5EF4-FFF2-40B4-BE49-F238E27FC236}">
-                <a16:creationId xmlns:a16="http://schemas.microsoft.com/office/drawing/2014/main" xmlns="" id="{080F9A80-55A7-44D0-B8E7-5CD17534DD73}"/>
+                <a16:creationId xmlns="" xmlns:a16="http://schemas.microsoft.com/office/drawing/2014/main" id="{080F9A80-55A7-44D0-B8E7-5CD17534DD73}"/>
               </a:ext>
             </a:extLst>
           </p:cNvPr>
@@ -6472,7 +6486,7 @@
           <p:cNvPr id="2" name="Title 1">
             <a:extLst>
               <a:ext uri="{FF2B5EF4-FFF2-40B4-BE49-F238E27FC236}">
-                <a16:creationId xmlns:a16="http://schemas.microsoft.com/office/drawing/2014/main" xmlns="" id="{6F34DA50-A1C6-43CF-BA57-27D059B4E79E}"/>
+                <a16:creationId xmlns="" xmlns:a16="http://schemas.microsoft.com/office/drawing/2014/main" id="{6F34DA50-A1C6-43CF-BA57-27D059B4E79E}"/>
               </a:ext>
             </a:extLst>
           </p:cNvPr>
@@ -6661,7 +6675,7 @@
           <p:cNvPr id="2" name="Title 1">
             <a:extLst>
               <a:ext uri="{FF2B5EF4-FFF2-40B4-BE49-F238E27FC236}">
-                <a16:creationId xmlns:a16="http://schemas.microsoft.com/office/drawing/2014/main" xmlns="" id="{6F34DA50-A1C6-43CF-BA57-27D059B4E79E}"/>
+                <a16:creationId xmlns="" xmlns:a16="http://schemas.microsoft.com/office/drawing/2014/main" id="{6F34DA50-A1C6-43CF-BA57-27D059B4E79E}"/>
               </a:ext>
             </a:extLst>
           </p:cNvPr>
@@ -6845,7 +6859,7 @@
           <p:cNvPr id="2" name="Title 1">
             <a:extLst>
               <a:ext uri="{FF2B5EF4-FFF2-40B4-BE49-F238E27FC236}">
-                <a16:creationId xmlns:a16="http://schemas.microsoft.com/office/drawing/2014/main" xmlns="" id="{6F34DA50-A1C6-43CF-BA57-27D059B4E79E}"/>
+                <a16:creationId xmlns="" xmlns:a16="http://schemas.microsoft.com/office/drawing/2014/main" id="{6F34DA50-A1C6-43CF-BA57-27D059B4E79E}"/>
               </a:ext>
             </a:extLst>
           </p:cNvPr>
@@ -6881,7 +6895,7 @@
           <p:cNvPr id="4" name="Picture 3">
             <a:extLst>
               <a:ext uri="{FF2B5EF4-FFF2-40B4-BE49-F238E27FC236}">
-                <a16:creationId xmlns:a16="http://schemas.microsoft.com/office/drawing/2014/main" xmlns="" id="{DD3F4D51-173F-4632-8D05-0CBF2CE749C3}"/>
+                <a16:creationId xmlns="" xmlns:a16="http://schemas.microsoft.com/office/drawing/2014/main" id="{DD3F4D51-173F-4632-8D05-0CBF2CE749C3}"/>
               </a:ext>
             </a:extLst>
           </p:cNvPr>
@@ -6948,7 +6962,7 @@
           <p:cNvPr id="2" name="Title 1">
             <a:extLst>
               <a:ext uri="{FF2B5EF4-FFF2-40B4-BE49-F238E27FC236}">
-                <a16:creationId xmlns:a16="http://schemas.microsoft.com/office/drawing/2014/main" xmlns="" id="{6F34DA50-A1C6-43CF-BA57-27D059B4E79E}"/>
+                <a16:creationId xmlns="" xmlns:a16="http://schemas.microsoft.com/office/drawing/2014/main" id="{6F34DA50-A1C6-43CF-BA57-27D059B4E79E}"/>
               </a:ext>
             </a:extLst>
           </p:cNvPr>
@@ -6984,7 +6998,7 @@
           <p:cNvPr id="5" name="Picture 4">
             <a:extLst>
               <a:ext uri="{FF2B5EF4-FFF2-40B4-BE49-F238E27FC236}">
-                <a16:creationId xmlns:a16="http://schemas.microsoft.com/office/drawing/2014/main" xmlns="" id="{2025B31D-82E9-4580-9BFB-4C7A7A93F313}"/>
+                <a16:creationId xmlns="" xmlns:a16="http://schemas.microsoft.com/office/drawing/2014/main" id="{2025B31D-82E9-4580-9BFB-4C7A7A93F313}"/>
               </a:ext>
             </a:extLst>
           </p:cNvPr>
@@ -7051,7 +7065,7 @@
           <p:cNvPr id="2" name="Title 1">
             <a:extLst>
               <a:ext uri="{FF2B5EF4-FFF2-40B4-BE49-F238E27FC236}">
-                <a16:creationId xmlns:a16="http://schemas.microsoft.com/office/drawing/2014/main" xmlns="" id="{6F34DA50-A1C6-43CF-BA57-27D059B4E79E}"/>
+                <a16:creationId xmlns="" xmlns:a16="http://schemas.microsoft.com/office/drawing/2014/main" id="{6F34DA50-A1C6-43CF-BA57-27D059B4E79E}"/>
               </a:ext>
             </a:extLst>
           </p:cNvPr>
@@ -7091,7 +7105,7 @@
           <p:cNvPr id="3" name="Picture 2">
             <a:extLst>
               <a:ext uri="{FF2B5EF4-FFF2-40B4-BE49-F238E27FC236}">
-                <a16:creationId xmlns:a16="http://schemas.microsoft.com/office/drawing/2014/main" xmlns="" id="{70FCAA9E-CEC8-4516-92A3-904659D4E474}"/>
+                <a16:creationId xmlns="" xmlns:a16="http://schemas.microsoft.com/office/drawing/2014/main" id="{70FCAA9E-CEC8-4516-92A3-904659D4E474}"/>
               </a:ext>
             </a:extLst>
           </p:cNvPr>
@@ -7158,7 +7172,7 @@
           <p:cNvPr id="2" name="Title 1">
             <a:extLst>
               <a:ext uri="{FF2B5EF4-FFF2-40B4-BE49-F238E27FC236}">
-                <a16:creationId xmlns:a16="http://schemas.microsoft.com/office/drawing/2014/main" xmlns="" id="{6F34DA50-A1C6-43CF-BA57-27D059B4E79E}"/>
+                <a16:creationId xmlns="" xmlns:a16="http://schemas.microsoft.com/office/drawing/2014/main" id="{6F34DA50-A1C6-43CF-BA57-27D059B4E79E}"/>
               </a:ext>
             </a:extLst>
           </p:cNvPr>
@@ -7193,7 +7207,7 @@
           <p:cNvPr id="4" name="Object 3">
             <a:extLst>
               <a:ext uri="{FF2B5EF4-FFF2-40B4-BE49-F238E27FC236}">
-                <a16:creationId xmlns:a16="http://schemas.microsoft.com/office/drawing/2014/main" xmlns="" id="{B7A5372D-A079-48DB-9E3A-5B2863828F38}"/>
+                <a16:creationId xmlns="" xmlns:a16="http://schemas.microsoft.com/office/drawing/2014/main" id="{B7A5372D-A079-48DB-9E3A-5B2863828F38}"/>
               </a:ext>
             </a:extLst>
           </p:cNvPr>
@@ -7216,7 +7230,7 @@
           <a:graphicData uri="http://schemas.openxmlformats.org/presentationml/2006/ole">
             <mc:AlternateContent xmlns:mc="http://schemas.openxmlformats.org/markup-compatibility/2006">
               <mc:Choice xmlns:v="urn:schemas-microsoft-com:vml" Requires="v">
-                <p:oleObj spid="_x0000_s1042" name="Worksheet" r:id="rId4" imgW="1047656" imgH="6448489" progId="Excel.Sheet.12">
+                <p:oleObj spid="_x0000_s1043" name="Worksheet" r:id="rId4" imgW="1047656" imgH="6448489" progId="Excel.Sheet.12">
                   <p:embed/>
                 </p:oleObj>
               </mc:Choice>
@@ -7256,7 +7270,7 @@
           <p:cNvPr id="5" name="Picture 4">
             <a:extLst>
               <a:ext uri="{FF2B5EF4-FFF2-40B4-BE49-F238E27FC236}">
-                <a16:creationId xmlns:a16="http://schemas.microsoft.com/office/drawing/2014/main" xmlns="" id="{AC5D2FAE-4F5A-4FCE-9367-346D47818B60}"/>
+                <a16:creationId xmlns="" xmlns:a16="http://schemas.microsoft.com/office/drawing/2014/main" id="{AC5D2FAE-4F5A-4FCE-9367-346D47818B60}"/>
               </a:ext>
             </a:extLst>
           </p:cNvPr>
@@ -7323,7 +7337,7 @@
           <p:cNvPr id="2" name="Title 1">
             <a:extLst>
               <a:ext uri="{FF2B5EF4-FFF2-40B4-BE49-F238E27FC236}">
-                <a16:creationId xmlns:a16="http://schemas.microsoft.com/office/drawing/2014/main" xmlns="" id="{6F34DA50-A1C6-43CF-BA57-27D059B4E79E}"/>
+                <a16:creationId xmlns="" xmlns:a16="http://schemas.microsoft.com/office/drawing/2014/main" id="{6F34DA50-A1C6-43CF-BA57-27D059B4E79E}"/>
               </a:ext>
             </a:extLst>
           </p:cNvPr>
@@ -7454,7 +7468,7 @@
           <p:cNvPr id="2" name="Title 1">
             <a:extLst>
               <a:ext uri="{FF2B5EF4-FFF2-40B4-BE49-F238E27FC236}">
-                <a16:creationId xmlns:a16="http://schemas.microsoft.com/office/drawing/2014/main" xmlns="" id="{6F34DA50-A1C6-43CF-BA57-27D059B4E79E}"/>
+                <a16:creationId xmlns="" xmlns:a16="http://schemas.microsoft.com/office/drawing/2014/main" id="{6F34DA50-A1C6-43CF-BA57-27D059B4E79E}"/>
               </a:ext>
             </a:extLst>
           </p:cNvPr>
@@ -7489,7 +7503,7 @@
           <p:cNvPr id="3" name="Picture 2">
             <a:extLst>
               <a:ext uri="{FF2B5EF4-FFF2-40B4-BE49-F238E27FC236}">
-                <a16:creationId xmlns:a16="http://schemas.microsoft.com/office/drawing/2014/main" xmlns="" id="{A12AE859-1296-43BB-B2A8-1C8756FC2607}"/>
+                <a16:creationId xmlns="" xmlns:a16="http://schemas.microsoft.com/office/drawing/2014/main" id="{A12AE859-1296-43BB-B2A8-1C8756FC2607}"/>
               </a:ext>
             </a:extLst>
           </p:cNvPr>
@@ -7770,7 +7784,7 @@
   <a:extraClrSchemeLst/>
   <a:extLst>
     <a:ext uri="{05A4C25C-085E-4340-85A3-A5531E510DB2}">
-      <thm15:themeFamily xmlns:thm15="http://schemas.microsoft.com/office/thememl/2012/main" xmlns="" name="Slate" id="{C3F70B94-7CE9-428E-ADC1-3269CC2C3385}" vid="{FF747C5C-A8E8-4833-9E55-3D08FE4E487A}"/>
+      <thm15:themeFamily xmlns="" xmlns:thm15="http://schemas.microsoft.com/office/thememl/2012/main" name="Slate" id="{C3F70B94-7CE9-428E-ADC1-3269CC2C3385}" vid="{FF747C5C-A8E8-4833-9E55-3D08FE4E487A}"/>
     </a:ext>
   </a:extLst>
 </a:theme>
